--- a/PRESENTATION.pptx
+++ b/PRESENTATION.pptx
@@ -241,7 +241,7 @@
           <a:p>
             <a:fld id="{223376E0-EDE5-4A29-82C0-25CF773A92B3}" type="datetimeFigureOut">
               <a:rPr lang="fr-FR" smtClean="0"/>
-              <a:t>21/06/2022</a:t>
+              <a:t>23/06/2022</a:t>
             </a:fld>
             <a:endParaRPr lang="fr-FR"/>
           </a:p>
@@ -305,38 +305,37 @@
           <a:p>
             <a:pPr lvl="0"/>
             <a:r>
-              <a:rPr lang="fr-FR" smtClean="0"/>
+              <a:rPr lang="fr-FR"/>
               <a:t>Modifier les styles du texte du masque</a:t>
             </a:r>
           </a:p>
           <a:p>
             <a:pPr lvl="1"/>
             <a:r>
-              <a:rPr lang="fr-FR" smtClean="0"/>
+              <a:rPr lang="fr-FR"/>
               <a:t>Deuxième niveau</a:t>
             </a:r>
           </a:p>
           <a:p>
             <a:pPr lvl="2"/>
             <a:r>
-              <a:rPr lang="fr-FR" smtClean="0"/>
+              <a:rPr lang="fr-FR"/>
               <a:t>Troisième niveau</a:t>
             </a:r>
           </a:p>
           <a:p>
             <a:pPr lvl="3"/>
             <a:r>
-              <a:rPr lang="fr-FR" smtClean="0"/>
+              <a:rPr lang="fr-FR"/>
               <a:t>Quatrième niveau</a:t>
             </a:r>
           </a:p>
           <a:p>
             <a:pPr lvl="4"/>
             <a:r>
-              <a:rPr lang="fr-FR" smtClean="0"/>
+              <a:rPr lang="fr-FR"/>
               <a:t>Cinquième niveau</a:t>
             </a:r>
-            <a:endParaRPr lang="fr-FR"/>
           </a:p>
         </p:txBody>
       </p:sp>
@@ -1076,7 +1075,7 @@
           <a:p>
             <a:fld id="{4053B16E-9465-4D7A-9761-656435A9AD22}" type="datetimeFigureOut">
               <a:rPr lang="en-IN" smtClean="0"/>
-              <a:t>21-06-2022</a:t>
+              <a:t>23-06-2022</a:t>
             </a:fld>
             <a:endParaRPr lang="en-IN"/>
           </a:p>
@@ -1246,7 +1245,7 @@
           <a:p>
             <a:fld id="{4053B16E-9465-4D7A-9761-656435A9AD22}" type="datetimeFigureOut">
               <a:rPr lang="en-IN" smtClean="0"/>
-              <a:t>21-06-2022</a:t>
+              <a:t>23-06-2022</a:t>
             </a:fld>
             <a:endParaRPr lang="en-IN"/>
           </a:p>
@@ -1426,7 +1425,7 @@
           <a:p>
             <a:fld id="{4053B16E-9465-4D7A-9761-656435A9AD22}" type="datetimeFigureOut">
               <a:rPr lang="en-IN" smtClean="0"/>
-              <a:t>21-06-2022</a:t>
+              <a:t>23-06-2022</a:t>
             </a:fld>
             <a:endParaRPr lang="en-IN"/>
           </a:p>
@@ -26385,7 +26384,7 @@
           <a:p>
             <a:fld id="{4053B16E-9465-4D7A-9761-656435A9AD22}" type="datetimeFigureOut">
               <a:rPr lang="en-IN" smtClean="0"/>
-              <a:t>21-06-2022</a:t>
+              <a:t>23-06-2022</a:t>
             </a:fld>
             <a:endParaRPr lang="en-IN"/>
           </a:p>
@@ -26629,7 +26628,7 @@
           <a:p>
             <a:fld id="{4053B16E-9465-4D7A-9761-656435A9AD22}" type="datetimeFigureOut">
               <a:rPr lang="en-IN" smtClean="0"/>
-              <a:t>21-06-2022</a:t>
+              <a:t>23-06-2022</a:t>
             </a:fld>
             <a:endParaRPr lang="en-IN"/>
           </a:p>
@@ -26861,7 +26860,7 @@
           <a:p>
             <a:fld id="{4053B16E-9465-4D7A-9761-656435A9AD22}" type="datetimeFigureOut">
               <a:rPr lang="en-IN" smtClean="0"/>
-              <a:t>21-06-2022</a:t>
+              <a:t>23-06-2022</a:t>
             </a:fld>
             <a:endParaRPr lang="en-IN"/>
           </a:p>
@@ -27228,7 +27227,7 @@
           <a:p>
             <a:fld id="{4053B16E-9465-4D7A-9761-656435A9AD22}" type="datetimeFigureOut">
               <a:rPr lang="en-IN" smtClean="0"/>
-              <a:t>21-06-2022</a:t>
+              <a:t>23-06-2022</a:t>
             </a:fld>
             <a:endParaRPr lang="en-IN"/>
           </a:p>
@@ -27346,7 +27345,7 @@
           <a:p>
             <a:fld id="{4053B16E-9465-4D7A-9761-656435A9AD22}" type="datetimeFigureOut">
               <a:rPr lang="en-IN" smtClean="0"/>
-              <a:t>21-06-2022</a:t>
+              <a:t>23-06-2022</a:t>
             </a:fld>
             <a:endParaRPr lang="en-IN"/>
           </a:p>
@@ -27441,7 +27440,7 @@
           <a:p>
             <a:fld id="{4053B16E-9465-4D7A-9761-656435A9AD22}" type="datetimeFigureOut">
               <a:rPr lang="en-IN" smtClean="0"/>
-              <a:t>21-06-2022</a:t>
+              <a:t>23-06-2022</a:t>
             </a:fld>
             <a:endParaRPr lang="en-IN"/>
           </a:p>
@@ -27718,7 +27717,7 @@
           <a:p>
             <a:fld id="{4053B16E-9465-4D7A-9761-656435A9AD22}" type="datetimeFigureOut">
               <a:rPr lang="en-IN" smtClean="0"/>
-              <a:t>21-06-2022</a:t>
+              <a:t>23-06-2022</a:t>
             </a:fld>
             <a:endParaRPr lang="en-IN"/>
           </a:p>
@@ -27975,7 +27974,7 @@
           <a:p>
             <a:fld id="{4053B16E-9465-4D7A-9761-656435A9AD22}" type="datetimeFigureOut">
               <a:rPr lang="en-IN" smtClean="0"/>
-              <a:t>21-06-2022</a:t>
+              <a:t>23-06-2022</a:t>
             </a:fld>
             <a:endParaRPr lang="en-IN"/>
           </a:p>
@@ -28188,7 +28187,7 @@
           <a:p>
             <a:fld id="{4053B16E-9465-4D7A-9761-656435A9AD22}" type="datetimeFigureOut">
               <a:rPr lang="en-IN" smtClean="0"/>
-              <a:t>21-06-2022</a:t>
+              <a:t>23-06-2022</a:t>
             </a:fld>
             <a:endParaRPr lang="en-IN"/>
           </a:p>
@@ -28648,17 +28647,7 @@
                   </a:schemeClr>
                 </a:solidFill>
               </a:rPr>
-              <a:t>Maitre en </a:t>
-            </a:r>
-            <a:r>
-              <a:rPr lang="fr-FR" sz="3600" dirty="0" smtClean="0">
-                <a:solidFill>
-                  <a:schemeClr val="accent3">
-                    <a:lumMod val="50000"/>
-                  </a:schemeClr>
-                </a:solidFill>
-              </a:rPr>
-              <a:t>place une </a:t>
+              <a:t>Maitre en place une </a:t>
             </a:r>
             <a:r>
               <a:rPr lang="fr-FR" sz="3600" b="1" dirty="0">
@@ -28986,7 +28975,7 @@
               <a:t>El hacen Mohamed Soueilem </a:t>
             </a:r>
             <a:r>
-              <a:rPr lang="fr-FR" sz="1400" dirty="0" smtClean="0">
+              <a:rPr lang="fr-FR" sz="1400" dirty="0">
                 <a:solidFill>
                   <a:srgbClr val="000000"/>
                 </a:solidFill>
@@ -28996,30 +28985,15 @@
               <a:t>        </a:t>
             </a:r>
             <a:r>
-              <a:rPr lang="fr-FR" sz="1350" dirty="0" smtClean="0"/>
-              <a:t>C </a:t>
+              <a:rPr lang="fr-FR" sz="1350" dirty="0"/>
+              <a:t>C 14466</a:t>
             </a:r>
-            <a:r>
-              <a:rPr lang="fr-FR" sz="1350" dirty="0"/>
-              <a:t>14466</a:t>
-            </a:r>
-            <a:endParaRPr lang="fr-FR" sz="1350" dirty="0"/>
           </a:p>
           <a:p>
             <a:pPr marL="214313" indent="-214313" algn="ctr">
               <a:buFont typeface="Wingdings" pitchFamily="2" charset="2"/>
               <a:buChar char="Ø"/>
             </a:pPr>
-            <a:r>
-              <a:rPr lang="fr-MR" sz="1400" dirty="0" smtClean="0">
-                <a:solidFill>
-                  <a:srgbClr val="000000"/>
-                </a:solidFill>
-                <a:latin typeface="Calibri" panose="020F0502020204030204" pitchFamily="34" charset="0"/>
-                <a:ea typeface="Calibri" panose="020F0502020204030204" pitchFamily="34" charset="0"/>
-              </a:rPr>
-              <a:t>Mohamed </a:t>
-            </a:r>
             <a:r>
               <a:rPr lang="fr-MR" sz="1400" dirty="0">
                 <a:solidFill>
@@ -29028,10 +29002,10 @@
                 <a:latin typeface="Calibri" panose="020F0502020204030204" pitchFamily="34" charset="0"/>
                 <a:ea typeface="Calibri" panose="020F0502020204030204" pitchFamily="34" charset="0"/>
               </a:rPr>
-              <a:t>Abdellah sidi Mohamed </a:t>
+              <a:t>Mohamed Abdellah sidi Mohamed </a:t>
             </a:r>
             <a:r>
-              <a:rPr lang="fr-FR" sz="1400" dirty="0" smtClean="0">
+              <a:rPr lang="fr-FR" sz="1400" dirty="0">
                 <a:solidFill>
                   <a:srgbClr val="000000"/>
                 </a:solidFill>
@@ -29041,12 +29015,8 @@
               <a:t> </a:t>
             </a:r>
             <a:r>
-              <a:rPr lang="en-US" sz="1350" dirty="0" smtClean="0"/>
-              <a:t>C </a:t>
-            </a:r>
-            <a:r>
               <a:rPr lang="en-US" sz="1350" dirty="0"/>
-              <a:t>15623</a:t>
+              <a:t>C 15623</a:t>
             </a:r>
             <a:endParaRPr lang="fr-FR" sz="1350" dirty="0"/>
           </a:p>
@@ -29357,7 +29327,7 @@
               <a:buChar char="v"/>
             </a:pPr>
             <a:r>
-              <a:rPr lang="en-US" sz="1350" kern="0" dirty="0" err="1" smtClean="0">
+              <a:rPr lang="en-US" sz="1350" kern="0" dirty="0" err="1">
                 <a:solidFill>
                   <a:srgbClr val="494949"/>
                 </a:solidFill>
@@ -29408,7 +29378,6 @@
               <a:rPr lang="fr-FR" sz="1500" dirty="0"/>
               <a:t>Faculté des Sciences et Techniques </a:t>
             </a:r>
-            <a:endParaRPr lang="fr-FR" sz="1500" dirty="0"/>
           </a:p>
           <a:p>
             <a:pPr algn="ctr"/>
@@ -29416,7 +29385,6 @@
               <a:rPr lang="fr-FR" sz="1500" dirty="0"/>
               <a:t>Département Mathématique et informatique </a:t>
             </a:r>
-            <a:endParaRPr lang="fr-FR" sz="1500" dirty="0"/>
           </a:p>
         </p:txBody>
       </p:sp>
@@ -29450,7 +29418,6 @@
               <a:rPr lang="fr-FR" sz="1200" dirty="0"/>
               <a:t>Master Informatique ISDR/SI</a:t>
             </a:r>
-            <a:endParaRPr lang="fr-FR" sz="1200" dirty="0"/>
           </a:p>
           <a:p>
             <a:pPr algn="ctr">
@@ -29460,17 +29427,8 @@
             </a:pPr>
             <a:r>
               <a:rPr lang="fr-FR" sz="1200" dirty="0"/>
-              <a:t>Filière</a:t>
+              <a:t>Filière: System d’information</a:t>
             </a:r>
-            <a:r>
-              <a:rPr lang="fr-FR" sz="1200" dirty="0"/>
-              <a:t>: </a:t>
-            </a:r>
-            <a:r>
-              <a:rPr lang="fr-FR" sz="1200" dirty="0"/>
-              <a:t>System d’information</a:t>
-            </a:r>
-            <a:endParaRPr lang="fr-FR" sz="1200" dirty="0"/>
           </a:p>
         </p:txBody>
       </p:sp>
@@ -29582,13 +29540,6 @@
   <p:clrMapOvr>
     <a:masterClrMapping/>
   </p:clrMapOvr>
-  <p:timing>
-    <p:tnLst>
-      <p:par>
-        <p:cTn id="1" dur="indefinite" restart="never" nodeType="tmRoot"/>
-      </p:par>
-    </p:tnLst>
-  </p:timing>
 </p:sld>
 </file>
 
@@ -29617,7 +29568,7 @@
                 <a16:creationId xmlns:a16="http://schemas.microsoft.com/office/drawing/2014/main" id="{D0986099-F5F2-4E8B-BE17-81194861A00C}"/>
               </a:ext>
               <a:ext uri="{C183D7F6-B498-43B3-948B-1728B52AA6E4}">
-                <adec:decorative xmlns:adec="http://schemas.microsoft.com/office/drawing/2017/decorative" xmlns="" val="1"/>
+                <adec:decorative xmlns:adec="http://schemas.microsoft.com/office/drawing/2017/decorative" val="1"/>
               </a:ext>
             </a:extLst>
           </p:cNvPr>
@@ -29666,7 +29617,7 @@
                 <a16:creationId xmlns:a16="http://schemas.microsoft.com/office/drawing/2014/main" id="{83E690F4-843A-47A5-8620-4FB01C0D8E68}"/>
               </a:ext>
               <a:ext uri="{C183D7F6-B498-43B3-948B-1728B52AA6E4}">
-                <adec:decorative xmlns:adec="http://schemas.microsoft.com/office/drawing/2017/decorative" xmlns="" val="1"/>
+                <adec:decorative xmlns:adec="http://schemas.microsoft.com/office/drawing/2017/decorative" val="1"/>
               </a:ext>
             </a:extLst>
           </p:cNvPr>
@@ -30706,17 +30657,6 @@
               </a:rPr>
               <a:t>Outils et technologies utilisé</a:t>
             </a:r>
-            <a:r>
-              <a:rPr lang="fr-FR" sz="2100" dirty="0">
-                <a:solidFill>
-                  <a:schemeClr val="tx1">
-                    <a:lumMod val="75000"/>
-                    <a:lumOff val="25000"/>
-                  </a:schemeClr>
-                </a:solidFill>
-              </a:rPr>
-              <a:t/>
-            </a:r>
             <a:br>
               <a:rPr lang="fr-FR" sz="2100" dirty="0">
                 <a:solidFill>
@@ -32086,18 +32026,13 @@
           <a:p>
             <a:pPr algn="ctr"/>
             <a:r>
-              <a:rPr lang="fr-FR" sz="2400" b="1" dirty="0" smtClean="0">
+              <a:rPr lang="fr-FR" sz="2400" b="1" dirty="0">
                 <a:solidFill>
                   <a:schemeClr val="bg1"/>
                 </a:solidFill>
               </a:rPr>
               <a:t>Architecture de projet</a:t>
             </a:r>
-            <a:endParaRPr lang="fr-FR" sz="2400" b="1" dirty="0">
-              <a:solidFill>
-                <a:schemeClr val="bg1"/>
-              </a:solidFill>
-            </a:endParaRPr>
           </a:p>
         </p:txBody>
       </p:sp>
@@ -32111,13 +32046,6 @@
   <p:clrMapOvr>
     <a:masterClrMapping/>
   </p:clrMapOvr>
-  <p:timing>
-    <p:tnLst>
-      <p:par>
-        <p:cTn id="1" dur="indefinite" restart="never" nodeType="tmRoot"/>
-      </p:par>
-    </p:tnLst>
-  </p:timing>
 </p:sld>
 </file>
 
@@ -32182,20 +32110,7 @@
                 <a:ea typeface="Times New Roman" panose="02020603050405020304" pitchFamily="18" charset="0"/>
                 <a:cs typeface="Times New Roman" panose="02020603050405020304" pitchFamily="18" charset="0"/>
               </a:rPr>
-              <a:t>L’accès LAN et </a:t>
-            </a:r>
-            <a:r>
-              <a:rPr lang="fr-FR" sz="2400" b="1" i="1" dirty="0" smtClean="0">
-                <a:solidFill>
-                  <a:schemeClr val="accent1">
-                    <a:lumMod val="75000"/>
-                  </a:schemeClr>
-                </a:solidFill>
-                <a:latin typeface="Cambria" panose="02040503050406030204" pitchFamily="18" charset="0"/>
-                <a:ea typeface="Times New Roman" panose="02020603050405020304" pitchFamily="18" charset="0"/>
-                <a:cs typeface="Times New Roman" panose="02020603050405020304" pitchFamily="18" charset="0"/>
-              </a:rPr>
-              <a:t>WLAN</a:t>
+              <a:t>L’accès LAN et WLAN</a:t>
             </a:r>
           </a:p>
           <a:p>
@@ -32226,7 +32141,7 @@
               <a:buChar char="§"/>
             </a:pPr>
             <a:r>
-              <a:rPr lang="fr-FR" sz="1350" dirty="0" smtClean="0">
+              <a:rPr lang="fr-FR" sz="1350" dirty="0">
                 <a:solidFill>
                   <a:srgbClr val="232629"/>
                 </a:solidFill>
@@ -32237,7 +32152,7 @@
               <a:t>Cela peut être trouvé en tapant le command </a:t>
             </a:r>
             <a:r>
-              <a:rPr lang="fr-FR" sz="1350" dirty="0" err="1" smtClean="0">
+              <a:rPr lang="fr-FR" sz="1350" dirty="0" err="1">
                 <a:solidFill>
                   <a:srgbClr val="232629"/>
                 </a:solidFill>
@@ -32251,7 +32166,7 @@
               <a:t>ipconfig</a:t>
             </a:r>
             <a:r>
-              <a:rPr lang="fr-FR" sz="1350" dirty="0" smtClean="0">
+              <a:rPr lang="fr-FR" sz="1350" dirty="0">
                 <a:solidFill>
                   <a:srgbClr val="232629"/>
                 </a:solidFill>
@@ -32261,7 +32176,7 @@
               </a:rPr>
               <a:t> dans l’invite de commande cmd</a:t>
             </a:r>
-            <a:endParaRPr lang="fr-MR" sz="1200" dirty="0" smtClean="0">
+            <a:endParaRPr lang="fr-MR" sz="1200" dirty="0">
               <a:latin typeface="Calibri" panose="020F0502020204030204" pitchFamily="34" charset="0"/>
               <a:ea typeface="Calibri" panose="020F0502020204030204" pitchFamily="34" charset="0"/>
               <a:cs typeface="Arial" panose="020B0604020202020204" pitchFamily="34" charset="0"/>
@@ -32276,17 +32191,6 @@
               <a:buChar char=""/>
             </a:pPr>
             <a:r>
-              <a:rPr lang="fr-FR" sz="1350" dirty="0" smtClean="0">
-                <a:solidFill>
-                  <a:srgbClr val="232629"/>
-                </a:solidFill>
-                <a:latin typeface="Calibri" panose="020F0502020204030204" pitchFamily="34" charset="0"/>
-                <a:ea typeface="Times New Roman" panose="02020603050405020304" pitchFamily="18" charset="0"/>
-                <a:cs typeface="Calibri" panose="020F0502020204030204" pitchFamily="34" charset="0"/>
-              </a:rPr>
-              <a:t>Modifier </a:t>
-            </a:r>
-            <a:r>
               <a:rPr lang="fr-FR" sz="1350" dirty="0">
                 <a:solidFill>
                   <a:srgbClr val="232629"/>
@@ -32295,7 +32199,7 @@
                 <a:ea typeface="Times New Roman" panose="02020603050405020304" pitchFamily="18" charset="0"/>
                 <a:cs typeface="Calibri" panose="020F0502020204030204" pitchFamily="34" charset="0"/>
               </a:rPr>
-              <a:t>le fichier de configuration settings.py, en modifiant la variable </a:t>
+              <a:t>Modifier le fichier de configuration settings.py, en modifiant la variable </a:t>
             </a:r>
             <a:endParaRPr lang="fr-MR" sz="1200" dirty="0">
               <a:latin typeface="Calibri" panose="020F0502020204030204" pitchFamily="34" charset="0"/>
@@ -32602,13 +32506,6 @@
   <p:clrMapOvr>
     <a:masterClrMapping/>
   </p:clrMapOvr>
-  <p:timing>
-    <p:tnLst>
-      <p:par>
-        <p:cTn id="1" dur="indefinite" restart="never" nodeType="tmRoot"/>
-      </p:par>
-    </p:tnLst>
-  </p:timing>
 </p:sld>
 </file>
 
@@ -32742,10 +32639,6 @@
           </a:bodyPr>
           <a:lstStyle/>
           <a:p>
-            <a:r>
-              <a:rPr lang="fr-FR" sz="1350" dirty="0"/>
-              <a:t/>
-            </a:r>
             <a:br>
               <a:rPr lang="fr-FR" sz="1350" dirty="0"/>
             </a:br>
@@ -33072,13 +32965,6 @@
   <p:clrMapOvr>
     <a:masterClrMapping/>
   </p:clrMapOvr>
-  <p:timing>
-    <p:tnLst>
-      <p:par>
-        <p:cTn id="1" dur="indefinite" restart="never" nodeType="tmRoot"/>
-      </p:par>
-    </p:tnLst>
-  </p:timing>
 </p:sld>
 </file>
 
@@ -33181,18 +33067,13 @@
               <a:t>ngrok</a:t>
             </a:r>
             <a:r>
-              <a:rPr lang="fr-FR" sz="2100" b="1" i="1" dirty="0" smtClean="0">
+              <a:rPr lang="fr-FR" sz="2100" b="1" i="1" dirty="0">
                 <a:latin typeface="Cambria" panose="02040503050406030204" pitchFamily="18" charset="0"/>
                 <a:ea typeface="Times New Roman" panose="02020603050405020304" pitchFamily="18" charset="0"/>
                 <a:cs typeface="Times New Roman" panose="02020603050405020304" pitchFamily="18" charset="0"/>
               </a:rPr>
               <a:t>)</a:t>
             </a:r>
-            <a:endParaRPr lang="fr-FR" sz="2100" b="1" i="1" dirty="0">
-              <a:latin typeface="Cambria" panose="02040503050406030204" pitchFamily="18" charset="0"/>
-              <a:ea typeface="Times New Roman" panose="02020603050405020304" pitchFamily="18" charset="0"/>
-              <a:cs typeface="Times New Roman" panose="02020603050405020304" pitchFamily="18" charset="0"/>
-            </a:endParaRPr>
           </a:p>
         </p:txBody>
       </p:sp>
@@ -33647,13 +33528,6 @@
   <p:clrMapOvr>
     <a:masterClrMapping/>
   </p:clrMapOvr>
-  <p:timing>
-    <p:tnLst>
-      <p:par>
-        <p:cTn id="1" dur="indefinite" restart="never" nodeType="tmRoot"/>
-      </p:par>
-    </p:tnLst>
-  </p:timing>
 </p:sld>
 </file>
 
@@ -33782,18 +33656,13 @@
           <a:lstStyle/>
           <a:p>
             <a:r>
-              <a:rPr lang="fr-FR" sz="7200" dirty="0" smtClean="0">
+              <a:rPr lang="fr-FR" sz="7200" dirty="0">
                 <a:solidFill>
                   <a:schemeClr val="bg1"/>
                 </a:solidFill>
               </a:rPr>
               <a:t>Démonstration</a:t>
             </a:r>
-            <a:endParaRPr lang="fr-FR" sz="7200" dirty="0">
-              <a:solidFill>
-                <a:schemeClr val="bg1"/>
-              </a:solidFill>
-            </a:endParaRPr>
           </a:p>
         </p:txBody>
       </p:sp>
@@ -33807,13 +33676,6 @@
   <p:clrMapOvr>
     <a:masterClrMapping/>
   </p:clrMapOvr>
-  <p:timing>
-    <p:tnLst>
-      <p:par>
-        <p:cTn id="1" dur="indefinite" restart="never" nodeType="tmRoot"/>
-      </p:par>
-    </p:tnLst>
-  </p:timing>
 </p:sld>
 </file>
 
@@ -33951,33 +33813,16 @@
                   </a:outerShdw>
                 </a:effectLst>
               </a:rPr>
-              <a:t>Pour conclure, ce projet a fait l’objet d’une expérience intéressante, très bénéfique pour nous. En effet, il nous a permis d’enrichir nos connaissances théoriques et </a:t>
-            </a:r>
-            <a:r>
-              <a:rPr lang="fr-FR" dirty="0" smtClean="0">
-                <a:ln w="0"/>
-                <a:effectLst>
-                  <a:outerShdw blurRad="38100" dist="19050" dir="2700000" algn="tl" rotWithShape="0">
-                    <a:schemeClr val="dk1">
-                      <a:alpha val="40000"/>
-                    </a:schemeClr>
-                  </a:outerShdw>
-                </a:effectLst>
-              </a:rPr>
-              <a:t>compétences pratique en conception et développement des logicielles informatique </a:t>
+              <a:t>Pour conclure, ce projet a fait l’objet d’une expérience intéressante, très bénéfique pour nous. En effet, il nous a permis d’enrichir nos connaissances théoriques et compétences pratique en conception et développement des logicielles informatique </a:t>
             </a:r>
             <a:r>
               <a:rPr lang="fr-FR" dirty="0"/>
-              <a:t>destiné à la capture au stockage, à la mise à jour, à la manipulation, à l’analyse et à l’affichage des informations géographiques</a:t>
-            </a:r>
-            <a:r>
-              <a:rPr lang="fr-FR" dirty="0" smtClean="0"/>
-              <a:t>.</a:t>
+              <a:t>destiné à la capture au stockage, à la mise à jour, à la manipulation, à l’analyse et à l’affichage des informations géographiques.</a:t>
             </a:r>
           </a:p>
           <a:p>
             <a:r>
-              <a:rPr lang="fr-FR" dirty="0" smtClean="0">
+              <a:rPr lang="fr-FR" dirty="0">
                 <a:ln w="0"/>
                 <a:effectLst>
                   <a:outerShdw blurRad="38100" dist="19050" dir="2700000" algn="tl" rotWithShape="0">
@@ -33991,21 +33836,13 @@
             </a:r>
             <a:r>
               <a:rPr lang="fr-FR" dirty="0"/>
-              <a:t>stockage </a:t>
+              <a:t>stockage les systèmes de gestion des bases des données </a:t>
             </a:r>
             <a:r>
-              <a:rPr lang="fr-FR" dirty="0" smtClean="0"/>
-              <a:t>les systèmes de </a:t>
-            </a:r>
-            <a:r>
-              <a:rPr lang="fr-FR" dirty="0"/>
-              <a:t>gestion des bases des données </a:t>
-            </a:r>
-            <a:r>
-              <a:rPr lang="fr-FR" dirty="0" err="1" smtClean="0"/>
+              <a:rPr lang="fr-FR" dirty="0" err="1"/>
               <a:t>NoSql</a:t>
             </a:r>
-            <a:endParaRPr lang="fr-FR" dirty="0" smtClean="0">
+            <a:endParaRPr lang="fr-FR" dirty="0">
               <a:ln w="0"/>
               <a:effectLst>
                 <a:outerShdw blurRad="38100" dist="19050" dir="2700000" algn="tl" rotWithShape="0">
@@ -34018,7 +33855,7 @@
           </a:p>
           <a:p>
             <a:r>
-              <a:rPr lang="fr-FR" sz="2000" dirty="0" smtClean="0">
+              <a:rPr lang="fr-FR" sz="2000" dirty="0">
                 <a:ln w="0"/>
                 <a:effectLst>
                   <a:outerShdw blurRad="38100" dist="19050" dir="2700000" algn="tl" rotWithShape="0">
@@ -34033,7 +33870,7 @@
           </a:p>
           <a:p>
             <a:r>
-              <a:rPr lang="fr-FR" sz="2000" dirty="0" smtClean="0">
+              <a:rPr lang="fr-FR" sz="2000" dirty="0">
                 <a:ln w="0"/>
                 <a:effectLst>
                   <a:outerShdw blurRad="38100" dist="19050" dir="2700000" algn="tl" rotWithShape="0">
@@ -34048,7 +33885,7 @@
           </a:p>
           <a:p>
             <a:r>
-              <a:rPr lang="fr-FR" sz="2000" dirty="0" smtClean="0">
+              <a:rPr lang="fr-FR" sz="2000" dirty="0">
                 <a:ln w="0"/>
                 <a:effectLst>
                   <a:outerShdw blurRad="38100" dist="19050" dir="2700000" algn="tl" rotWithShape="0">
@@ -34060,16 +33897,6 @@
               </a:rPr>
               <a:t>en maitrisant les outilles nécessaire  </a:t>
             </a:r>
-            <a:endParaRPr lang="fr-FR" sz="2000" dirty="0">
-              <a:ln w="0"/>
-              <a:effectLst>
-                <a:outerShdw blurRad="38100" dist="19050" dir="2700000" algn="tl" rotWithShape="0">
-                  <a:schemeClr val="dk1">
-                    <a:alpha val="40000"/>
-                  </a:schemeClr>
-                </a:outerShdw>
-              </a:effectLst>
-            </a:endParaRPr>
           </a:p>
         </p:txBody>
       </p:sp>
@@ -34083,13 +33910,6 @@
   <p:clrMapOvr>
     <a:masterClrMapping/>
   </p:clrMapOvr>
-  <p:timing>
-    <p:tnLst>
-      <p:par>
-        <p:cTn id="1" dur="indefinite" restart="never" nodeType="tmRoot"/>
-      </p:par>
-    </p:tnLst>
-  </p:timing>
 </p:sld>
 </file>
 
@@ -35855,7 +35675,7 @@
           <a:lstStyle/>
           <a:p>
             <a:r>
-              <a:rPr lang="en" dirty="0" smtClean="0"/>
+              <a:rPr lang="en" dirty="0"/>
               <a:t>03</a:t>
             </a:r>
             <a:endParaRPr dirty="0"/>
@@ -35951,16 +35771,6 @@
             </a:contourClr>
           </a:sp3d>
           <a:extLst>
-            <a:ext uri="{91240B29-F687-4F45-9708-019B960494DF}">
-              <a14:hiddenLine xmlns:a14="http://schemas.microsoft.com/office/drawing/2010/main" w="9525">
-                <a:solidFill>
-                  <a:schemeClr val="tx1"/>
-                </a:solidFill>
-                <a:miter lim="800000"/>
-                <a:headEnd/>
-                <a:tailEnd/>
-              </a14:hiddenLine>
-            </a:ext>
             <a:ext uri="{AF507438-7753-43E0-B8FC-AC1667EBCBE1}">
               <a14:hiddenEffects xmlns:a14="http://schemas.microsoft.com/office/drawing/2010/main">
                 <a:effectLst>
@@ -36060,7 +35870,6 @@
               <a:rPr lang="fr-FR" sz="2800" b="1" dirty="0"/>
               <a:t>LES AUTILS UTLISES</a:t>
             </a:r>
-            <a:endParaRPr lang="fr-FR" sz="2800" b="1" dirty="0"/>
           </a:p>
         </p:txBody>
       </p:sp>
@@ -36102,7 +35911,6 @@
               <a:rPr lang="fr-FR" sz="2800" b="1" dirty="0"/>
               <a:t>Architecture de projet </a:t>
             </a:r>
-            <a:endParaRPr lang="fr-FR" sz="2800" b="1" dirty="0"/>
           </a:p>
         </p:txBody>
       </p:sp>
@@ -36149,10 +35957,9 @@
               <a:t> </a:t>
             </a:r>
             <a:r>
-              <a:rPr lang="fr-FR" sz="2800" b="1" dirty="0" smtClean="0"/>
+              <a:rPr lang="fr-FR" sz="2800" b="1" dirty="0"/>
               <a:t>Démonstration</a:t>
             </a:r>
-            <a:endParaRPr lang="fr-FR" sz="2800" b="1" dirty="0"/>
           </a:p>
         </p:txBody>
       </p:sp>
@@ -36194,7 +36001,6 @@
               <a:rPr lang="fr-FR" sz="2800" b="1" dirty="0"/>
               <a:t>OBJECTIF</a:t>
             </a:r>
-            <a:endParaRPr lang="fr-FR" sz="2800" b="1" dirty="0"/>
           </a:p>
         </p:txBody>
       </p:sp>
@@ -36595,11 +36401,6 @@
               </a:rPr>
               <a:t>Tunnel</a:t>
             </a:r>
-            <a:endParaRPr lang="fr-FR" sz="2800" b="1" dirty="0">
-              <a:solidFill>
-                <a:schemeClr val="bg1"/>
-              </a:solidFill>
-            </a:endParaRPr>
           </a:p>
         </p:txBody>
       </p:sp>
@@ -36642,10 +36443,9 @@
               </a:lnSpc>
             </a:pPr>
             <a:r>
-              <a:rPr lang="fr-FR" sz="3200" b="1" dirty="0" smtClean="0"/>
+              <a:rPr lang="fr-FR" sz="3200" b="1" dirty="0"/>
               <a:t>Conclusion</a:t>
             </a:r>
-            <a:endParaRPr lang="fr-FR" sz="3200" b="1" dirty="0"/>
           </a:p>
         </p:txBody>
       </p:sp>
@@ -37215,7 +37015,7 @@
           <a:lstStyle/>
           <a:p>
             <a:r>
-              <a:rPr lang="en" dirty="0" smtClean="0">
+              <a:rPr lang="en" dirty="0">
                 <a:solidFill>
                   <a:schemeClr val="bg1"/>
                 </a:solidFill>
@@ -37423,10 +37223,9 @@
           </a:lstStyle>
           <a:p>
             <a:r>
-              <a:rPr lang="en" dirty="0" smtClean="0"/>
+              <a:rPr lang="en" dirty="0"/>
               <a:t>07</a:t>
             </a:r>
-            <a:endParaRPr lang="en" dirty="0"/>
           </a:p>
         </p:txBody>
       </p:sp>
@@ -37623,10 +37422,9 @@
           </a:lstStyle>
           <a:p>
             <a:r>
-              <a:rPr lang="en" dirty="0" smtClean="0"/>
+              <a:rPr lang="en" dirty="0"/>
               <a:t>04</a:t>
             </a:r>
-            <a:endParaRPr lang="en" dirty="0"/>
           </a:p>
         </p:txBody>
       </p:sp>
@@ -37823,10 +37621,9 @@
           </a:lstStyle>
           <a:p>
             <a:r>
-              <a:rPr lang="en" dirty="0" smtClean="0"/>
+              <a:rPr lang="en" dirty="0"/>
               <a:t>05</a:t>
             </a:r>
-            <a:endParaRPr lang="en" dirty="0"/>
           </a:p>
         </p:txBody>
       </p:sp>
@@ -39479,10 +39276,9 @@
           <a:p>
             <a:pPr algn="ctr"/>
             <a:r>
-              <a:rPr lang="fr-FR" dirty="0" smtClean="0"/>
+              <a:rPr lang="fr-FR" dirty="0"/>
               <a:t>c</a:t>
             </a:r>
-            <a:endParaRPr lang="fr-FR" dirty="0"/>
           </a:p>
         </p:txBody>
       </p:sp>
@@ -39509,30 +39305,9 @@
           <a:lstStyle/>
           <a:p>
             <a:r>
-              <a:rPr lang="fr-FR" dirty="0" smtClean="0"/>
-              <a:t> </a:t>
+              <a:rPr lang="fr-FR" dirty="0"/>
+              <a:t> Le SIG est l’ensemble des matériels et logiciels informatiques ainsi que des données géographiques avec lesquels les utilisateurs interagissent pour intégrer, analyser et visualiser les données, identifier les relations, les schémas et les tendances et trouver des solutions aux problèmes. Ce système est destiné à la capture au stockage, à la mise à jour, à la manipulation, à l’analyse et à l’affichage des informations géographiques. Un SIG sert habituellement à représenter des cartes sous forme de couches de données qui peuvent être étudiées et utilisées à des fins d’analyse (ESRI, 2004).</a:t>
             </a:r>
-            <a:r>
-              <a:rPr lang="fr-FR" dirty="0"/>
-              <a:t>Le SIG est l’ensemble des matériels et logiciels informatiques ainsi que des données géographiques avec lesquels les utilisateurs interagissent pour intégrer, analyser et visualiser les données, identifier les relations, les schémas et les tendances et trouver des solutions aux problèmes. Ce système est destiné à la </a:t>
-            </a:r>
-            <a:r>
-              <a:rPr lang="fr-FR" dirty="0" smtClean="0"/>
-              <a:t>capture</a:t>
-            </a:r>
-            <a:r>
-              <a:rPr lang="fr-FR" dirty="0"/>
-              <a:t> </a:t>
-            </a:r>
-            <a:r>
-              <a:rPr lang="fr-FR" dirty="0" smtClean="0"/>
-              <a:t>au </a:t>
-            </a:r>
-            <a:r>
-              <a:rPr lang="fr-FR" dirty="0"/>
-              <a:t>stockage, à la mise à jour, à la manipulation, à l’analyse et à l’affichage des informations géographiques. Un SIG sert habituellement à représenter des cartes sous forme de couches de données qui peuvent être étudiées et utilisées à des fins d’analyse (ESRI, 2004).</a:t>
-            </a:r>
-            <a:endParaRPr lang="fr-FR" dirty="0"/>
           </a:p>
         </p:txBody>
       </p:sp>
@@ -39600,22 +39375,12 @@
           <a:p>
             <a:pPr algn="ctr"/>
             <a:r>
-              <a:rPr lang="fr-FR" altLang="fr-FR" sz="2400" b="1" dirty="0" smtClean="0">
+              <a:rPr lang="fr-FR" altLang="fr-FR" sz="2400" b="1" dirty="0">
                 <a:solidFill>
                   <a:schemeClr val="bg1"/>
                 </a:solidFill>
               </a:rPr>
               <a:t>System D’</a:t>
-            </a:r>
-            <a:r>
-              <a:rPr lang="fr-FR" altLang="fr-FR" sz="2400" b="1" dirty="0" smtClean="0">
-                <a:solidFill>
-                  <a:schemeClr val="bg1"/>
-                </a:solidFill>
-                <a:latin typeface="Century Schoolbook" pitchFamily="18" charset="0"/>
-                <a:cs typeface="Arial" charset="0"/>
-              </a:rPr>
-              <a:t>information </a:t>
             </a:r>
             <a:r>
               <a:rPr lang="fr-FR" altLang="fr-FR" sz="2400" b="1" dirty="0">
@@ -39625,7 +39390,7 @@
                 <a:latin typeface="Century Schoolbook" pitchFamily="18" charset="0"/>
                 <a:cs typeface="Arial" charset="0"/>
               </a:rPr>
-              <a:t>Géographique</a:t>
+              <a:t>information Géographique</a:t>
             </a:r>
           </a:p>
           <a:p>
@@ -39644,13 +39409,6 @@
   <p:clrMapOvr>
     <a:masterClrMapping/>
   </p:clrMapOvr>
-  <p:timing>
-    <p:tnLst>
-      <p:par>
-        <p:cTn id="1" dur="indefinite" restart="never" nodeType="tmRoot"/>
-      </p:par>
-    </p:tnLst>
-  </p:timing>
 </p:sld>
 </file>
 
@@ -40308,11 +40066,6 @@
               </a:rPr>
               <a:t>INTRODUCTION</a:t>
             </a:r>
-            <a:endParaRPr lang="fr-FR" sz="2800" b="1" dirty="0">
-              <a:solidFill>
-                <a:schemeClr val="bg1"/>
-              </a:solidFill>
-            </a:endParaRPr>
           </a:p>
         </p:txBody>
       </p:sp>
@@ -40326,13 +40079,6 @@
   <p:clrMapOvr>
     <a:masterClrMapping/>
   </p:clrMapOvr>
-  <p:timing>
-    <p:tnLst>
-      <p:par>
-        <p:cTn id="1" dur="indefinite" restart="never" nodeType="tmRoot"/>
-      </p:par>
-    </p:tnLst>
-  </p:timing>
 </p:sld>
 </file>
 
@@ -40422,11 +40168,6 @@
               </a:rPr>
               <a:t>INTRODUCTION</a:t>
             </a:r>
-            <a:endParaRPr lang="fr-FR" sz="2800" b="1" dirty="0">
-              <a:solidFill>
-                <a:schemeClr val="bg1"/>
-              </a:solidFill>
-            </a:endParaRPr>
           </a:p>
         </p:txBody>
       </p:sp>
@@ -40535,13 +40276,6 @@
   <p:clrMapOvr>
     <a:masterClrMapping/>
   </p:clrMapOvr>
-  <p:timing>
-    <p:tnLst>
-      <p:par>
-        <p:cTn id="1" dur="indefinite" restart="never" nodeType="tmRoot"/>
-      </p:par>
-    </p:tnLst>
-  </p:timing>
 </p:sld>
 </file>
 
@@ -40606,12 +40340,8 @@
               <a:t>Types de </a:t>
             </a:r>
             <a:r>
-              <a:rPr lang="fr-FR" sz="3200" b="1" dirty="0" smtClean="0"/>
-              <a:t>base </a:t>
-            </a:r>
-            <a:r>
               <a:rPr lang="fr-FR" sz="3200" b="1" dirty="0"/>
-              <a:t>de données </a:t>
+              <a:t>base de données </a:t>
             </a:r>
             <a:r>
               <a:rPr lang="fr-FR" sz="3200" b="1" dirty="0" err="1"/>
@@ -40664,11 +40394,6 @@
               </a:rPr>
               <a:t>INTRODUCTION</a:t>
             </a:r>
-            <a:endParaRPr lang="fr-FR" sz="2800" b="1" dirty="0">
-              <a:solidFill>
-                <a:schemeClr val="bg1"/>
-              </a:solidFill>
-            </a:endParaRPr>
           </a:p>
         </p:txBody>
       </p:sp>
@@ -40742,13 +40467,6 @@
   <p:clrMapOvr>
     <a:masterClrMapping/>
   </p:clrMapOvr>
-  <p:timing>
-    <p:tnLst>
-      <p:par>
-        <p:cTn id="1" dur="indefinite" restart="never" nodeType="tmRoot"/>
-      </p:par>
-    </p:tnLst>
-  </p:timing>
 </p:sld>
 </file>
 
@@ -40882,52 +40600,30 @@
               <a:rPr lang="fr-FR" sz="2000" dirty="0">
                 <a:latin typeface="Bahnschrift Light SemiCondensed" panose="020B0502040204020203" pitchFamily="34" charset="0"/>
               </a:rPr>
-              <a:t>Permet </a:t>
-            </a:r>
-            <a:r>
-              <a:rPr lang="fr-FR" sz="2000" dirty="0" smtClean="0">
-                <a:latin typeface="Bahnschrift Light SemiCondensed" panose="020B0502040204020203" pitchFamily="34" charset="0"/>
-              </a:rPr>
-              <a:t>a </a:t>
-            </a:r>
-            <a:r>
-              <a:rPr lang="fr-FR" sz="2000" dirty="0" smtClean="0"/>
-              <a:t>les utilisateurs d’interagissent </a:t>
+              <a:t>Permet a </a:t>
             </a:r>
             <a:r>
               <a:rPr lang="fr-FR" sz="2000" dirty="0"/>
-              <a:t>pour intégrer, analyser et visualiser les données</a:t>
+              <a:t>les utilisateurs d’interagissent pour intégrer, analyser et visualiser les données</a:t>
             </a:r>
             <a:r>
-              <a:rPr lang="fr-FR" sz="2000" dirty="0" smtClean="0">
+              <a:rPr lang="fr-FR" sz="2000" dirty="0">
                 <a:latin typeface="Bahnschrift Light SemiCondensed" panose="020B0502040204020203" pitchFamily="34" charset="0"/>
               </a:rPr>
               <a:t> Géographiques, </a:t>
             </a:r>
             <a:r>
-              <a:rPr lang="fr-FR" sz="2000" dirty="0" smtClean="0"/>
-              <a:t>donc un système </a:t>
-            </a:r>
-            <a:r>
               <a:rPr lang="fr-FR" sz="2000" dirty="0"/>
-              <a:t>destiné à la capture au stockage, à la mise à jour, à la manipulation, à l’analyse et à l’affichage des informations </a:t>
-            </a:r>
-            <a:r>
-              <a:rPr lang="fr-FR" sz="2000" dirty="0" smtClean="0"/>
-              <a:t>géographiques.</a:t>
+              <a:t>donc un système destiné à la capture au stockage, à la mise à jour, à la manipulation, à l’analyse et à l’affichage des informations géographiques.</a:t>
             </a:r>
           </a:p>
           <a:p>
             <a:r>
               <a:rPr lang="fr-FR" sz="2000" dirty="0"/>
-              <a:t> </a:t>
+              <a:t> et le stockage de ces informations géographique se fait en utilisant un system de gestion des bases des données </a:t>
             </a:r>
             <a:r>
-              <a:rPr lang="fr-FR" sz="2000" dirty="0" smtClean="0"/>
-              <a:t>et le stockage de ces informations géographique se fait en utilisant un system de gestion des bases des données </a:t>
-            </a:r>
-            <a:r>
-              <a:rPr lang="fr-FR" sz="2000" dirty="0" err="1" smtClean="0"/>
+              <a:rPr lang="fr-FR" sz="2000" dirty="0" err="1"/>
               <a:t>NoSql</a:t>
             </a:r>
             <a:endParaRPr lang="fr-FR" sz="2000" dirty="0">
@@ -40946,13 +40642,6 @@
   <p:clrMapOvr>
     <a:masterClrMapping/>
   </p:clrMapOvr>
-  <p:timing>
-    <p:tnLst>
-      <p:par>
-        <p:cTn id="1" dur="indefinite" restart="never" nodeType="tmRoot"/>
-      </p:par>
-    </p:tnLst>
-  </p:timing>
 </p:sld>
 </file>
 
@@ -40981,7 +40670,7 @@
                 <a16:creationId xmlns:a16="http://schemas.microsoft.com/office/drawing/2014/main" id="{83E690F4-843A-47A5-8620-4FB01C0D8E68}"/>
               </a:ext>
               <a:ext uri="{C183D7F6-B498-43B3-948B-1728B52AA6E4}">
-                <adec:decorative xmlns:adec="http://schemas.microsoft.com/office/drawing/2017/decorative" xmlns="" val="1"/>
+                <adec:decorative xmlns:adec="http://schemas.microsoft.com/office/drawing/2017/decorative" val="1"/>
               </a:ext>
             </a:extLst>
           </p:cNvPr>
@@ -42155,7 +41844,7 @@
           <a:lstStyle/>
           <a:p>
             <a:r>
-              <a:rPr lang="fr-FR" dirty="0" err="1" smtClean="0">
+              <a:rPr lang="fr-FR" dirty="0" err="1">
                 <a:solidFill>
                   <a:srgbClr val="FFC000"/>
                 </a:solidFill>
@@ -42388,17 +42077,6 @@
                 </a:solidFill>
               </a:rPr>
               <a:t>Outils et technologies utilisé</a:t>
-            </a:r>
-            <a:r>
-              <a:rPr lang="fr-FR" sz="2100" dirty="0">
-                <a:solidFill>
-                  <a:schemeClr val="tx1">
-                    <a:lumMod val="75000"/>
-                    <a:lumOff val="25000"/>
-                  </a:schemeClr>
-                </a:solidFill>
-              </a:rPr>
-              <a:t/>
             </a:r>
             <a:br>
               <a:rPr lang="fr-FR" sz="2100" dirty="0">
@@ -43257,7 +42935,7 @@
                 <a16:creationId xmlns:a16="http://schemas.microsoft.com/office/drawing/2014/main" id="{D0986099-F5F2-4E8B-BE17-81194861A00C}"/>
               </a:ext>
               <a:ext uri="{C183D7F6-B498-43B3-948B-1728B52AA6E4}">
-                <adec:decorative xmlns:adec="http://schemas.microsoft.com/office/drawing/2017/decorative" xmlns="" val="1"/>
+                <adec:decorative xmlns:adec="http://schemas.microsoft.com/office/drawing/2017/decorative" val="1"/>
               </a:ext>
             </a:extLst>
           </p:cNvPr>
@@ -46388,17 +46066,6 @@
                 </a:solidFill>
               </a:rPr>
               <a:t>Outils et technologies utilisé</a:t>
-            </a:r>
-            <a:r>
-              <a:rPr lang="fr-FR" sz="2100" dirty="0">
-                <a:solidFill>
-                  <a:schemeClr val="tx1">
-                    <a:lumMod val="75000"/>
-                    <a:lumOff val="25000"/>
-                  </a:schemeClr>
-                </a:solidFill>
-              </a:rPr>
-              <a:t/>
             </a:r>
             <a:br>
               <a:rPr lang="fr-FR" sz="2100" dirty="0">
